--- a/assets/files/pvis2023_presentation_template_dark2.pptx
+++ b/assets/files/pvis2023_presentation_template_dark2.pptx
@@ -1,8 +1,8 @@
 
 <file path=ppt/presentation.xml><?xml version="1.0" encoding="utf-8"?>
-<p:presentation xmlns:a="http://schemas.openxmlformats.org/drawingml/2006/main" xmlns:r="http://schemas.openxmlformats.org/officeDocument/2006/relationships" xmlns:p="http://schemas.openxmlformats.org/presentationml/2006/main" saveSubsetFonts="1">
+<p:presentation xmlns:a="http://schemas.openxmlformats.org/drawingml/2006/main" xmlns:r="http://schemas.openxmlformats.org/officeDocument/2006/relationships" xmlns:p="http://schemas.openxmlformats.org/presentationml/2006/main" showSpecialPlsOnTitleSld="0" saveSubsetFonts="1">
   <p:sldMasterIdLst>
-    <p:sldMasterId id="2147483648" r:id="rId1"/>
+    <p:sldMasterId id="2147483653" r:id="rId1"/>
   </p:sldMasterIdLst>
   <p:notesMasterIdLst>
     <p:notesMasterId r:id="rId6"/>
@@ -229,7 +229,7 @@
           <a:p>
             <a:fld id="{F7BC9F75-2ED4-464A-86C5-08CEEAFB01A5}" type="datetimeFigureOut">
               <a:rPr lang="ko-KR" altLang="en-US" smtClean="0"/>
-              <a:t>2023-04-05</a:t>
+              <a:t>2023-04-14</a:t>
             </a:fld>
             <a:endParaRPr lang="ko-KR" altLang="en-US"/>
           </a:p>
@@ -422,7 +422,7 @@
           <a:p>
             <a:fld id="{AF08EF6E-1B45-44A8-A588-88C2ACAE4F39}" type="datetimeFigureOut">
               <a:rPr lang="ko-KR" altLang="en-US" smtClean="0"/>
-              <a:t>2023-04-05</a:t>
+              <a:t>2023-04-14</a:t>
             </a:fld>
             <a:endParaRPr lang="ko-KR" altLang="en-US"/>
           </a:p>
@@ -774,8 +774,8 @@
 </file>
 
 <file path=ppt/slideLayouts/slideLayout1.xml><?xml version="1.0" encoding="utf-8"?>
-<p:sldLayout xmlns:a="http://schemas.openxmlformats.org/drawingml/2006/main" xmlns:r="http://schemas.openxmlformats.org/officeDocument/2006/relationships" xmlns:p="http://schemas.openxmlformats.org/presentationml/2006/main" preserve="1" userDrawn="1">
-  <p:cSld name="제목 슬라이드">
+<p:sldLayout xmlns:a="http://schemas.openxmlformats.org/drawingml/2006/main" xmlns:r="http://schemas.openxmlformats.org/officeDocument/2006/relationships" xmlns:p="http://schemas.openxmlformats.org/presentationml/2006/main" userDrawn="1">
+  <p:cSld name="1_제목 슬라이드">
     <p:bg>
       <p:bgPr>
         <a:solidFill>
@@ -1866,10 +1866,125 @@
           </a:p>
         </p:txBody>
       </p:sp>
+      <p:sp>
+        <p:nvSpPr>
+          <p:cNvPr id="2" name="날짜 개체 틀 1">
+            <a:extLst>
+              <a:ext uri="{FF2B5EF4-FFF2-40B4-BE49-F238E27FC236}">
+                <a16:creationId xmlns:a16="http://schemas.microsoft.com/office/drawing/2014/main" id="{DA7EBA47-DBFC-2439-E9EE-5D625C2797D3}"/>
+              </a:ext>
+            </a:extLst>
+          </p:cNvPr>
+          <p:cNvSpPr>
+            <a:spLocks noGrp="1"/>
+          </p:cNvSpPr>
+          <p:nvPr>
+            <p:ph type="dt" sz="half" idx="11"/>
+          </p:nvPr>
+        </p:nvSpPr>
+        <p:spPr/>
+        <p:txBody>
+          <a:bodyPr vert="horz" lIns="91440" tIns="45720" rIns="91440" bIns="45720" rtlCol="0" anchor="ctr"/>
+          <a:lstStyle>
+            <a:lvl1pPr algn="l">
+              <a:defRPr lang="ko-KR" altLang="en-US" smtClean="0">
+                <a:solidFill>
+                  <a:schemeClr val="bg1"/>
+                </a:solidFill>
+                <a:latin typeface="Tahoma" panose="020B0604030504040204" pitchFamily="34" charset="0"/>
+                <a:cs typeface="Tahoma" panose="020B0604030504040204" pitchFamily="34" charset="0"/>
+              </a:defRPr>
+            </a:lvl1pPr>
+          </a:lstStyle>
+          <a:p>
+            <a:fld id="{17D8BAF2-6C53-40FC-8807-AE3A042EC81A}" type="datetime1">
+              <a:rPr lang="en-US" altLang="ko-KR" smtClean="0"/>
+              <a:pPr/>
+              <a:t>2023-04-14</a:t>
+            </a:fld>
+            <a:endParaRPr lang="en-US" altLang="ko-KR"/>
+          </a:p>
+        </p:txBody>
+      </p:sp>
+      <p:sp>
+        <p:nvSpPr>
+          <p:cNvPr id="3" name="바닥글 개체 틀 2">
+            <a:extLst>
+              <a:ext uri="{FF2B5EF4-FFF2-40B4-BE49-F238E27FC236}">
+                <a16:creationId xmlns:a16="http://schemas.microsoft.com/office/drawing/2014/main" id="{C0EE7877-1AB4-359C-3038-DFCE23DFF988}"/>
+              </a:ext>
+            </a:extLst>
+          </p:cNvPr>
+          <p:cNvSpPr>
+            <a:spLocks noGrp="1"/>
+          </p:cNvSpPr>
+          <p:nvPr>
+            <p:ph type="ftr" sz="quarter" idx="12"/>
+          </p:nvPr>
+        </p:nvSpPr>
+        <p:spPr/>
+        <p:txBody>
+          <a:bodyPr vert="horz" lIns="91440" tIns="45720" rIns="91440" bIns="45720" rtlCol="0" anchor="ctr"/>
+          <a:lstStyle>
+            <a:lvl1pPr>
+              <a:defRPr lang="ko-KR" altLang="en-US">
+                <a:solidFill>
+                  <a:schemeClr val="bg1"/>
+                </a:solidFill>
+                <a:latin typeface="Tahoma" panose="020B0604030504040204" pitchFamily="34" charset="0"/>
+                <a:cs typeface="Tahoma" panose="020B0604030504040204" pitchFamily="34" charset="0"/>
+              </a:defRPr>
+            </a:lvl1pPr>
+          </a:lstStyle>
+          <a:p>
+            <a:endParaRPr lang="ko-KR" altLang="en-US"/>
+          </a:p>
+        </p:txBody>
+      </p:sp>
+      <p:sp>
+        <p:nvSpPr>
+          <p:cNvPr id="24" name="슬라이드 번호 개체 틀 23">
+            <a:extLst>
+              <a:ext uri="{FF2B5EF4-FFF2-40B4-BE49-F238E27FC236}">
+                <a16:creationId xmlns:a16="http://schemas.microsoft.com/office/drawing/2014/main" id="{B3D1DC6C-0A0B-EED4-B35A-C34DFC7E5C88}"/>
+              </a:ext>
+            </a:extLst>
+          </p:cNvPr>
+          <p:cNvSpPr>
+            <a:spLocks noGrp="1"/>
+          </p:cNvSpPr>
+          <p:nvPr>
+            <p:ph type="sldNum" sz="quarter" idx="13"/>
+          </p:nvPr>
+        </p:nvSpPr>
+        <p:spPr/>
+        <p:txBody>
+          <a:bodyPr/>
+          <a:lstStyle>
+            <a:lvl1pPr>
+              <a:defRPr>
+                <a:solidFill>
+                  <a:schemeClr val="bg1"/>
+                </a:solidFill>
+                <a:latin typeface="Tahoma" panose="020B0604030504040204" pitchFamily="34" charset="0"/>
+                <a:cs typeface="Tahoma" panose="020B0604030504040204" pitchFamily="34" charset="0"/>
+              </a:defRPr>
+            </a:lvl1pPr>
+          </a:lstStyle>
+          <a:p>
+            <a:fld id="{E968B485-CF9E-4F67-86CA-96E025404E84}" type="slidenum">
+              <a:rPr lang="ko-KR" altLang="en-US" smtClean="0"/>
+              <a:pPr/>
+              <a:t>‹#›</a:t>
+            </a:fld>
+            <a:endParaRPr lang="ko-KR" altLang="en-US"/>
+          </a:p>
+        </p:txBody>
+      </p:sp>
     </p:spTree>
     <p:extLst>
       <p:ext uri="{BB962C8B-B14F-4D97-AF65-F5344CB8AC3E}">
-        <p14:creationId xmlns:p14="http://schemas.microsoft.com/office/powerpoint/2010/main" val="996265661"/>
+        <p14:creationId xmlns:p14="http://schemas.microsoft.com/office/powerpoint/2010/main" val="2741655741"/>
       </p:ext>
     </p:extLst>
   </p:cSld>
@@ -1879,12 +1994,12 @@
   <p:extLst>
     <p:ext uri="{DCECCB84-F9BA-43D5-87BE-67443E8EF086}">
       <p15:sldGuideLst xmlns:p15="http://schemas.microsoft.com/office/powerpoint/2012/main">
-        <p15:guide id="1" orient="horz" pos="2137" userDrawn="1">
+        <p15:guide id="1" orient="horz" pos="2137">
           <p15:clr>
             <a:srgbClr val="FBAE40"/>
           </p15:clr>
         </p15:guide>
-        <p15:guide id="2" pos="3840" userDrawn="1">
+        <p15:guide id="2" pos="3840">
           <p15:clr>
             <a:srgbClr val="FBAE40"/>
           </p15:clr>
@@ -1896,7 +2011,7 @@
 </file>
 
 <file path=ppt/slideLayouts/slideLayout2.xml><?xml version="1.0" encoding="utf-8"?>
-<p:sldLayout xmlns:a="http://schemas.openxmlformats.org/drawingml/2006/main" xmlns:r="http://schemas.openxmlformats.org/officeDocument/2006/relationships" xmlns:p="http://schemas.openxmlformats.org/presentationml/2006/main" preserve="1" userDrawn="1">
+<p:sldLayout xmlns:a="http://schemas.openxmlformats.org/drawingml/2006/main" xmlns:r="http://schemas.openxmlformats.org/officeDocument/2006/relationships" xmlns:p="http://schemas.openxmlformats.org/presentationml/2006/main" userDrawn="1">
   <p:cSld name="사용자 지정 레이아웃">
     <p:bg>
       <p:bgPr>
@@ -2261,10 +2376,85 @@
           </a:fontRef>
         </p:style>
       </p:cxnSp>
+      <p:sp>
+        <p:nvSpPr>
+          <p:cNvPr id="10" name="바닥글 개체 틀 9">
+            <a:extLst>
+              <a:ext uri="{FF2B5EF4-FFF2-40B4-BE49-F238E27FC236}">
+                <a16:creationId xmlns:a16="http://schemas.microsoft.com/office/drawing/2014/main" id="{43523C12-FA93-7E15-D3F6-CE931F3DEB8C}"/>
+              </a:ext>
+            </a:extLst>
+          </p:cNvPr>
+          <p:cNvSpPr>
+            <a:spLocks noGrp="1"/>
+          </p:cNvSpPr>
+          <p:nvPr>
+            <p:ph type="ftr" sz="quarter" idx="11"/>
+          </p:nvPr>
+        </p:nvSpPr>
+        <p:spPr/>
+        <p:txBody>
+          <a:bodyPr vert="horz" lIns="91440" tIns="45720" rIns="91440" bIns="45720" rtlCol="0" anchor="ctr"/>
+          <a:lstStyle>
+            <a:lvl1pPr>
+              <a:defRPr lang="ko-KR" altLang="en-US">
+                <a:solidFill>
+                  <a:schemeClr val="bg1"/>
+                </a:solidFill>
+                <a:latin typeface="Tahoma" panose="020B0604030504040204" pitchFamily="34" charset="0"/>
+                <a:cs typeface="Tahoma" panose="020B0604030504040204" pitchFamily="34" charset="0"/>
+              </a:defRPr>
+            </a:lvl1pPr>
+          </a:lstStyle>
+          <a:p>
+            <a:endParaRPr lang="ko-KR" altLang="en-US"/>
+          </a:p>
+        </p:txBody>
+      </p:sp>
+      <p:sp>
+        <p:nvSpPr>
+          <p:cNvPr id="11" name="슬라이드 번호 개체 틀 10">
+            <a:extLst>
+              <a:ext uri="{FF2B5EF4-FFF2-40B4-BE49-F238E27FC236}">
+                <a16:creationId xmlns:a16="http://schemas.microsoft.com/office/drawing/2014/main" id="{F98D691D-B84A-A519-97FB-F8CF3C68EA6A}"/>
+              </a:ext>
+            </a:extLst>
+          </p:cNvPr>
+          <p:cNvSpPr>
+            <a:spLocks noGrp="1"/>
+          </p:cNvSpPr>
+          <p:nvPr>
+            <p:ph type="sldNum" sz="quarter" idx="12"/>
+          </p:nvPr>
+        </p:nvSpPr>
+        <p:spPr/>
+        <p:txBody>
+          <a:bodyPr vert="horz" lIns="91440" tIns="45720" rIns="91440" bIns="45720" rtlCol="0" anchor="ctr"/>
+          <a:lstStyle>
+            <a:lvl1pPr>
+              <a:defRPr lang="ko-KR" altLang="en-US" smtClean="0">
+                <a:solidFill>
+                  <a:schemeClr val="bg1"/>
+                </a:solidFill>
+                <a:latin typeface="Tahoma" panose="020B0604030504040204" pitchFamily="34" charset="0"/>
+                <a:cs typeface="Tahoma" panose="020B0604030504040204" pitchFamily="34" charset="0"/>
+              </a:defRPr>
+            </a:lvl1pPr>
+          </a:lstStyle>
+          <a:p>
+            <a:fld id="{E968B485-CF9E-4F67-86CA-96E025404E84}" type="slidenum">
+              <a:rPr lang="en-US" altLang="ko-KR" smtClean="0"/>
+              <a:pPr/>
+              <a:t>‹#›</a:t>
+            </a:fld>
+            <a:endParaRPr lang="en-US" altLang="ko-KR"/>
+          </a:p>
+        </p:txBody>
+      </p:sp>
     </p:spTree>
     <p:extLst>
       <p:ext uri="{BB962C8B-B14F-4D97-AF65-F5344CB8AC3E}">
-        <p14:creationId xmlns:p14="http://schemas.microsoft.com/office/powerpoint/2010/main" val="747935152"/>
+        <p14:creationId xmlns:p14="http://schemas.microsoft.com/office/powerpoint/2010/main" val="3926717525"/>
       </p:ext>
     </p:extLst>
   </p:cSld>
@@ -2275,7 +2465,7 @@
 </file>
 
 <file path=ppt/slideLayouts/slideLayout3.xml><?xml version="1.0" encoding="utf-8"?>
-<p:sldLayout xmlns:a="http://schemas.openxmlformats.org/drawingml/2006/main" xmlns:r="http://schemas.openxmlformats.org/officeDocument/2006/relationships" xmlns:p="http://schemas.openxmlformats.org/presentationml/2006/main" preserve="1" userDrawn="1">
+<p:sldLayout xmlns:a="http://schemas.openxmlformats.org/drawingml/2006/main" xmlns:r="http://schemas.openxmlformats.org/officeDocument/2006/relationships" xmlns:p="http://schemas.openxmlformats.org/presentationml/2006/main" userDrawn="1">
   <p:cSld name="1_사용자 지정 레이아웃">
     <p:bg>
       <p:bgPr>
@@ -2332,7 +2522,7 @@
             <a:lvl1pPr>
               <a:defRPr>
                 <a:solidFill>
-                  <a:srgbClr val="EEEEEE"/>
+                  <a:schemeClr val="bg1"/>
                 </a:solidFill>
               </a:defRPr>
             </a:lvl1pPr>
@@ -2581,10 +2771,85 @@
           </p:txBody>
         </p:sp>
       </p:grpSp>
+      <p:sp>
+        <p:nvSpPr>
+          <p:cNvPr id="6" name="바닥글 개체 틀 5">
+            <a:extLst>
+              <a:ext uri="{FF2B5EF4-FFF2-40B4-BE49-F238E27FC236}">
+                <a16:creationId xmlns:a16="http://schemas.microsoft.com/office/drawing/2014/main" id="{1C98F996-1BB6-7902-C63D-3E99DC2FFC0D}"/>
+              </a:ext>
+            </a:extLst>
+          </p:cNvPr>
+          <p:cNvSpPr>
+            <a:spLocks noGrp="1"/>
+          </p:cNvSpPr>
+          <p:nvPr>
+            <p:ph type="ftr" sz="quarter" idx="11"/>
+          </p:nvPr>
+        </p:nvSpPr>
+        <p:spPr/>
+        <p:txBody>
+          <a:bodyPr vert="horz" lIns="91440" tIns="45720" rIns="91440" bIns="45720" rtlCol="0" anchor="ctr"/>
+          <a:lstStyle>
+            <a:lvl1pPr algn="ctr">
+              <a:defRPr lang="ko-KR" altLang="en-US">
+                <a:solidFill>
+                  <a:schemeClr val="bg1"/>
+                </a:solidFill>
+                <a:latin typeface="Tahoma" panose="020B0604030504040204" pitchFamily="34" charset="0"/>
+                <a:cs typeface="Tahoma" panose="020B0604030504040204" pitchFamily="34" charset="0"/>
+              </a:defRPr>
+            </a:lvl1pPr>
+          </a:lstStyle>
+          <a:p>
+            <a:endParaRPr lang="ko-KR" altLang="en-US"/>
+          </a:p>
+        </p:txBody>
+      </p:sp>
+      <p:sp>
+        <p:nvSpPr>
+          <p:cNvPr id="7" name="슬라이드 번호 개체 틀 6">
+            <a:extLst>
+              <a:ext uri="{FF2B5EF4-FFF2-40B4-BE49-F238E27FC236}">
+                <a16:creationId xmlns:a16="http://schemas.microsoft.com/office/drawing/2014/main" id="{2FB2E7BD-54FC-8A3A-3EE4-D8434410C5AF}"/>
+              </a:ext>
+            </a:extLst>
+          </p:cNvPr>
+          <p:cNvSpPr>
+            <a:spLocks noGrp="1"/>
+          </p:cNvSpPr>
+          <p:nvPr>
+            <p:ph type="sldNum" sz="quarter" idx="12"/>
+          </p:nvPr>
+        </p:nvSpPr>
+        <p:spPr/>
+        <p:txBody>
+          <a:bodyPr vert="horz" lIns="91440" tIns="45720" rIns="91440" bIns="45720" rtlCol="0" anchor="ctr"/>
+          <a:lstStyle>
+            <a:lvl1pPr>
+              <a:defRPr lang="ko-KR" altLang="en-US" smtClean="0">
+                <a:solidFill>
+                  <a:schemeClr val="bg1"/>
+                </a:solidFill>
+                <a:latin typeface="Tahoma" panose="020B0604030504040204" pitchFamily="34" charset="0"/>
+                <a:cs typeface="Tahoma" panose="020B0604030504040204" pitchFamily="34" charset="0"/>
+              </a:defRPr>
+            </a:lvl1pPr>
+          </a:lstStyle>
+          <a:p>
+            <a:fld id="{E968B485-CF9E-4F67-86CA-96E025404E84}" type="slidenum">
+              <a:rPr lang="en-US" altLang="ko-KR" smtClean="0"/>
+              <a:pPr/>
+              <a:t>‹#›</a:t>
+            </a:fld>
+            <a:endParaRPr lang="en-US" altLang="ko-KR"/>
+          </a:p>
+        </p:txBody>
+      </p:sp>
     </p:spTree>
     <p:extLst>
       <p:ext uri="{BB962C8B-B14F-4D97-AF65-F5344CB8AC3E}">
-        <p14:creationId xmlns:p14="http://schemas.microsoft.com/office/powerpoint/2010/main" val="3889236790"/>
+        <p14:creationId xmlns:p14="http://schemas.microsoft.com/office/powerpoint/2010/main" val="3091135028"/>
       </p:ext>
     </p:extLst>
   </p:cSld>
@@ -2595,7 +2860,7 @@
 </file>
 
 <file path=ppt/slideLayouts/slideLayout4.xml><?xml version="1.0" encoding="utf-8"?>
-<p:sldLayout xmlns:a="http://schemas.openxmlformats.org/drawingml/2006/main" xmlns:r="http://schemas.openxmlformats.org/officeDocument/2006/relationships" xmlns:p="http://schemas.openxmlformats.org/presentationml/2006/main" preserve="1" userDrawn="1">
+<p:sldLayout xmlns:a="http://schemas.openxmlformats.org/drawingml/2006/main" xmlns:r="http://schemas.openxmlformats.org/officeDocument/2006/relationships" xmlns:p="http://schemas.openxmlformats.org/presentationml/2006/main" userDrawn="1">
   <p:cSld name="2_사용자 지정 레이아웃">
     <p:bg>
       <p:bgPr>
@@ -3524,7 +3789,7 @@
         <p:spPr>
           <a:xfrm>
             <a:off x="452991" y="2471901"/>
-            <a:ext cx="11359297" cy="4141372"/>
+            <a:ext cx="11359297" cy="3729741"/>
           </a:xfrm>
           <a:prstGeom prst="rect">
             <a:avLst/>
@@ -3710,10 +3975,125 @@
           </a:p>
         </p:txBody>
       </p:sp>
+      <p:sp>
+        <p:nvSpPr>
+          <p:cNvPr id="4" name="날짜 개체 틀 3">
+            <a:extLst>
+              <a:ext uri="{FF2B5EF4-FFF2-40B4-BE49-F238E27FC236}">
+                <a16:creationId xmlns:a16="http://schemas.microsoft.com/office/drawing/2014/main" id="{642B4152-C8A1-CDFC-4EA2-AF139353403A}"/>
+              </a:ext>
+            </a:extLst>
+          </p:cNvPr>
+          <p:cNvSpPr>
+            <a:spLocks noGrp="1"/>
+          </p:cNvSpPr>
+          <p:nvPr>
+            <p:ph type="dt" sz="half" idx="10"/>
+          </p:nvPr>
+        </p:nvSpPr>
+        <p:spPr/>
+        <p:txBody>
+          <a:bodyPr vert="horz" lIns="91440" tIns="45720" rIns="91440" bIns="45720" rtlCol="0" anchor="ctr"/>
+          <a:lstStyle>
+            <a:lvl1pPr>
+              <a:defRPr lang="ko-KR" altLang="en-US" smtClean="0">
+                <a:solidFill>
+                  <a:schemeClr val="bg1"/>
+                </a:solidFill>
+                <a:latin typeface="Tahoma" panose="020B0604030504040204" pitchFamily="34" charset="0"/>
+                <a:cs typeface="Tahoma" panose="020B0604030504040204" pitchFamily="34" charset="0"/>
+              </a:defRPr>
+            </a:lvl1pPr>
+          </a:lstStyle>
+          <a:p>
+            <a:fld id="{841C8EFD-6355-4CE4-B925-542E903FC7A9}" type="datetime1">
+              <a:rPr lang="en-US" altLang="ko-KR" smtClean="0"/>
+              <a:pPr/>
+              <a:t>2023-04-14</a:t>
+            </a:fld>
+            <a:endParaRPr lang="en-US" altLang="ko-KR"/>
+          </a:p>
+        </p:txBody>
+      </p:sp>
+      <p:sp>
+        <p:nvSpPr>
+          <p:cNvPr id="5" name="바닥글 개체 틀 4">
+            <a:extLst>
+              <a:ext uri="{FF2B5EF4-FFF2-40B4-BE49-F238E27FC236}">
+                <a16:creationId xmlns:a16="http://schemas.microsoft.com/office/drawing/2014/main" id="{5DE6E5D3-80B3-80B1-95CF-D54D82067919}"/>
+              </a:ext>
+            </a:extLst>
+          </p:cNvPr>
+          <p:cNvSpPr>
+            <a:spLocks noGrp="1"/>
+          </p:cNvSpPr>
+          <p:nvPr>
+            <p:ph type="ftr" sz="quarter" idx="11"/>
+          </p:nvPr>
+        </p:nvSpPr>
+        <p:spPr/>
+        <p:txBody>
+          <a:bodyPr vert="horz" lIns="91440" tIns="45720" rIns="91440" bIns="45720" rtlCol="0" anchor="ctr"/>
+          <a:lstStyle>
+            <a:lvl1pPr>
+              <a:defRPr lang="ko-KR" altLang="en-US">
+                <a:solidFill>
+                  <a:schemeClr val="bg1"/>
+                </a:solidFill>
+                <a:latin typeface="Tahoma" panose="020B0604030504040204" pitchFamily="34" charset="0"/>
+                <a:cs typeface="Tahoma" panose="020B0604030504040204" pitchFamily="34" charset="0"/>
+              </a:defRPr>
+            </a:lvl1pPr>
+          </a:lstStyle>
+          <a:p>
+            <a:endParaRPr lang="ko-KR" altLang="en-US"/>
+          </a:p>
+        </p:txBody>
+      </p:sp>
+      <p:sp>
+        <p:nvSpPr>
+          <p:cNvPr id="6" name="슬라이드 번호 개체 틀 5">
+            <a:extLst>
+              <a:ext uri="{FF2B5EF4-FFF2-40B4-BE49-F238E27FC236}">
+                <a16:creationId xmlns:a16="http://schemas.microsoft.com/office/drawing/2014/main" id="{B27505C2-58DF-7671-6425-C15CE364C602}"/>
+              </a:ext>
+            </a:extLst>
+          </p:cNvPr>
+          <p:cNvSpPr>
+            <a:spLocks noGrp="1"/>
+          </p:cNvSpPr>
+          <p:nvPr>
+            <p:ph type="sldNum" sz="quarter" idx="12"/>
+          </p:nvPr>
+        </p:nvSpPr>
+        <p:spPr/>
+        <p:txBody>
+          <a:bodyPr vert="horz" lIns="91440" tIns="45720" rIns="91440" bIns="45720" rtlCol="0" anchor="ctr"/>
+          <a:lstStyle>
+            <a:lvl1pPr>
+              <a:defRPr lang="ko-KR" altLang="en-US" smtClean="0">
+                <a:solidFill>
+                  <a:schemeClr val="bg1"/>
+                </a:solidFill>
+                <a:latin typeface="Tahoma" panose="020B0604030504040204" pitchFamily="34" charset="0"/>
+                <a:cs typeface="Tahoma" panose="020B0604030504040204" pitchFamily="34" charset="0"/>
+              </a:defRPr>
+            </a:lvl1pPr>
+          </a:lstStyle>
+          <a:p>
+            <a:fld id="{E968B485-CF9E-4F67-86CA-96E025404E84}" type="slidenum">
+              <a:rPr lang="en-US" altLang="ko-KR" smtClean="0"/>
+              <a:pPr/>
+              <a:t>‹#›</a:t>
+            </a:fld>
+            <a:endParaRPr lang="en-US" altLang="ko-KR"/>
+          </a:p>
+        </p:txBody>
+      </p:sp>
     </p:spTree>
     <p:extLst>
       <p:ext uri="{BB962C8B-B14F-4D97-AF65-F5344CB8AC3E}">
-        <p14:creationId xmlns:p14="http://schemas.microsoft.com/office/powerpoint/2010/main" val="3094083129"/>
+        <p14:creationId xmlns:p14="http://schemas.microsoft.com/office/powerpoint/2010/main" val="571959144"/>
       </p:ext>
     </p:extLst>
   </p:cSld>
@@ -3724,7 +4104,7 @@
 </file>
 
 <file path=ppt/slideMasters/slideMaster1.xml><?xml version="1.0" encoding="utf-8"?>
-<p:sldMaster xmlns:a="http://schemas.openxmlformats.org/drawingml/2006/main" xmlns:r="http://schemas.openxmlformats.org/officeDocument/2006/relationships" xmlns:p="http://schemas.openxmlformats.org/presentationml/2006/main">
+<p:sldMaster xmlns:a="http://schemas.openxmlformats.org/drawingml/2006/main" xmlns:r="http://schemas.openxmlformats.org/officeDocument/2006/relationships" xmlns:p="http://schemas.openxmlformats.org/presentationml/2006/main" preserve="1">
   <p:cSld>
     <p:bg>
       <p:bgRef idx="1001">
@@ -3747,10 +4127,10 @@
       </p:grpSpPr>
       <p:sp>
         <p:nvSpPr>
-          <p:cNvPr id="64" name="제목 개체 틀 63">
+          <p:cNvPr id="2" name="제목 개체 틀 1">
             <a:extLst>
               <a:ext uri="{FF2B5EF4-FFF2-40B4-BE49-F238E27FC236}">
-                <a16:creationId xmlns:a16="http://schemas.microsoft.com/office/drawing/2014/main" id="{EFCBD491-A298-0E58-0BE4-6EC00B46CF09}"/>
+                <a16:creationId xmlns:a16="http://schemas.microsoft.com/office/drawing/2014/main" id="{C47C5187-F090-A0D7-7C89-4AC76975F7D6}"/>
               </a:ext>
             </a:extLst>
           </p:cNvPr>
@@ -3776,16 +4156,19 @@
           </a:bodyPr>
           <a:lstStyle/>
           <a:p>
-            <a:endParaRPr lang="ko-KR" altLang="en-US" dirty="0"/>
+            <a:r>
+              <a:rPr lang="ko-KR" altLang="en-US"/>
+              <a:t>마스터 제목 스타일 편집</a:t>
+            </a:r>
           </a:p>
         </p:txBody>
       </p:sp>
       <p:sp>
         <p:nvSpPr>
-          <p:cNvPr id="65" name="텍스트 개체 틀 64">
+          <p:cNvPr id="3" name="텍스트 개체 틀 2">
             <a:extLst>
               <a:ext uri="{FF2B5EF4-FFF2-40B4-BE49-F238E27FC236}">
-                <a16:creationId xmlns:a16="http://schemas.microsoft.com/office/drawing/2014/main" id="{246089BC-8384-F3D6-F668-0FD48B7CDB39}"/>
+                <a16:creationId xmlns:a16="http://schemas.microsoft.com/office/drawing/2014/main" id="{CBCF50C6-E74B-A80F-0F62-79B70EC0A038}"/>
               </a:ext>
             </a:extLst>
           </p:cNvPr>
@@ -3812,24 +4195,193 @@
           <a:lstStyle/>
           <a:p>
             <a:pPr lvl="0"/>
-            <a:endParaRPr lang="ko-KR" altLang="en-US" dirty="0"/>
+            <a:r>
+              <a:rPr lang="ko-KR" altLang="en-US"/>
+              <a:t>마스터 텍스트 스타일을 편집하려면 클릭</a:t>
+            </a:r>
+          </a:p>
+          <a:p>
+            <a:pPr lvl="1"/>
+            <a:r>
+              <a:rPr lang="ko-KR" altLang="en-US"/>
+              <a:t>두 번째 수준</a:t>
+            </a:r>
+          </a:p>
+          <a:p>
+            <a:pPr lvl="2"/>
+            <a:r>
+              <a:rPr lang="ko-KR" altLang="en-US"/>
+              <a:t>세 번째 수준</a:t>
+            </a:r>
+          </a:p>
+          <a:p>
+            <a:pPr lvl="3"/>
+            <a:r>
+              <a:rPr lang="ko-KR" altLang="en-US"/>
+              <a:t>네 번째 수준</a:t>
+            </a:r>
+          </a:p>
+          <a:p>
+            <a:pPr lvl="4"/>
+            <a:r>
+              <a:rPr lang="ko-KR" altLang="en-US"/>
+              <a:t>다섯 번째 수준</a:t>
+            </a:r>
+          </a:p>
+        </p:txBody>
+      </p:sp>
+      <p:sp>
+        <p:nvSpPr>
+          <p:cNvPr id="4" name="날짜 개체 틀 3">
+            <a:extLst>
+              <a:ext uri="{FF2B5EF4-FFF2-40B4-BE49-F238E27FC236}">
+                <a16:creationId xmlns:a16="http://schemas.microsoft.com/office/drawing/2014/main" id="{DD654739-0321-6F84-B061-AB2E67D95FF4}"/>
+              </a:ext>
+            </a:extLst>
+          </p:cNvPr>
+          <p:cNvSpPr>
+            <a:spLocks noGrp="1"/>
+          </p:cNvSpPr>
+          <p:nvPr>
+            <p:ph type="dt" sz="half" idx="2"/>
+          </p:nvPr>
+        </p:nvSpPr>
+        <p:spPr>
+          <a:xfrm>
+            <a:off x="838200" y="6356350"/>
+            <a:ext cx="2743200" cy="365125"/>
+          </a:xfrm>
+          <a:prstGeom prst="rect">
+            <a:avLst/>
+          </a:prstGeom>
+        </p:spPr>
+        <p:txBody>
+          <a:bodyPr vert="horz" lIns="91440" tIns="45720" rIns="91440" bIns="45720" rtlCol="0" anchor="ctr"/>
+          <a:lstStyle>
+            <a:lvl1pPr algn="l">
+              <a:defRPr sz="1200">
+                <a:solidFill>
+                  <a:schemeClr val="tx1">
+                    <a:tint val="75000"/>
+                  </a:schemeClr>
+                </a:solidFill>
+              </a:defRPr>
+            </a:lvl1pPr>
+          </a:lstStyle>
+          <a:p>
+            <a:fld id="{16E0D69A-376A-40F9-A79A-3EA076A23215}" type="datetime1">
+              <a:rPr lang="ko-KR" altLang="en-US" smtClean="0"/>
+              <a:t>2023-04-14</a:t>
+            </a:fld>
+            <a:endParaRPr lang="ko-KR" altLang="en-US"/>
+          </a:p>
+        </p:txBody>
+      </p:sp>
+      <p:sp>
+        <p:nvSpPr>
+          <p:cNvPr id="5" name="바닥글 개체 틀 4">
+            <a:extLst>
+              <a:ext uri="{FF2B5EF4-FFF2-40B4-BE49-F238E27FC236}">
+                <a16:creationId xmlns:a16="http://schemas.microsoft.com/office/drawing/2014/main" id="{84A3B924-C0ED-9DB6-7AD9-8BF667A41DA8}"/>
+              </a:ext>
+            </a:extLst>
+          </p:cNvPr>
+          <p:cNvSpPr>
+            <a:spLocks noGrp="1"/>
+          </p:cNvSpPr>
+          <p:nvPr>
+            <p:ph type="ftr" sz="quarter" idx="3"/>
+          </p:nvPr>
+        </p:nvSpPr>
+        <p:spPr>
+          <a:xfrm>
+            <a:off x="4038600" y="6356350"/>
+            <a:ext cx="4114800" cy="365125"/>
+          </a:xfrm>
+          <a:prstGeom prst="rect">
+            <a:avLst/>
+          </a:prstGeom>
+        </p:spPr>
+        <p:txBody>
+          <a:bodyPr vert="horz" lIns="91440" tIns="45720" rIns="91440" bIns="45720" rtlCol="0" anchor="ctr"/>
+          <a:lstStyle>
+            <a:lvl1pPr algn="ctr">
+              <a:defRPr sz="1200">
+                <a:solidFill>
+                  <a:schemeClr val="tx1">
+                    <a:tint val="75000"/>
+                  </a:schemeClr>
+                </a:solidFill>
+              </a:defRPr>
+            </a:lvl1pPr>
+          </a:lstStyle>
+          <a:p>
+            <a:endParaRPr lang="ko-KR" altLang="en-US"/>
+          </a:p>
+        </p:txBody>
+      </p:sp>
+      <p:sp>
+        <p:nvSpPr>
+          <p:cNvPr id="6" name="슬라이드 번호 개체 틀 5">
+            <a:extLst>
+              <a:ext uri="{FF2B5EF4-FFF2-40B4-BE49-F238E27FC236}">
+                <a16:creationId xmlns:a16="http://schemas.microsoft.com/office/drawing/2014/main" id="{D1C6AAD7-28C5-37B9-6244-29473AAE7C35}"/>
+              </a:ext>
+            </a:extLst>
+          </p:cNvPr>
+          <p:cNvSpPr>
+            <a:spLocks noGrp="1"/>
+          </p:cNvSpPr>
+          <p:nvPr>
+            <p:ph type="sldNum" sz="quarter" idx="4"/>
+          </p:nvPr>
+        </p:nvSpPr>
+        <p:spPr>
+          <a:xfrm>
+            <a:off x="8610600" y="6356350"/>
+            <a:ext cx="2743200" cy="365125"/>
+          </a:xfrm>
+          <a:prstGeom prst="rect">
+            <a:avLst/>
+          </a:prstGeom>
+        </p:spPr>
+        <p:txBody>
+          <a:bodyPr vert="horz" lIns="91440" tIns="45720" rIns="91440" bIns="45720" rtlCol="0" anchor="ctr"/>
+          <a:lstStyle>
+            <a:lvl1pPr algn="r">
+              <a:defRPr sz="1200">
+                <a:solidFill>
+                  <a:schemeClr val="tx1">
+                    <a:tint val="75000"/>
+                  </a:schemeClr>
+                </a:solidFill>
+              </a:defRPr>
+            </a:lvl1pPr>
+          </a:lstStyle>
+          <a:p>
+            <a:fld id="{E968B485-CF9E-4F67-86CA-96E025404E84}" type="slidenum">
+              <a:rPr lang="ko-KR" altLang="en-US" smtClean="0"/>
+              <a:t>‹#›</a:t>
+            </a:fld>
+            <a:endParaRPr lang="ko-KR" altLang="en-US"/>
           </a:p>
         </p:txBody>
       </p:sp>
     </p:spTree>
     <p:extLst>
       <p:ext uri="{BB962C8B-B14F-4D97-AF65-F5344CB8AC3E}">
-        <p14:creationId xmlns:p14="http://schemas.microsoft.com/office/powerpoint/2010/main" val="853768981"/>
+        <p14:creationId xmlns:p14="http://schemas.microsoft.com/office/powerpoint/2010/main" val="3075765617"/>
       </p:ext>
     </p:extLst>
   </p:cSld>
   <p:clrMap bg1="lt1" tx1="dk1" bg2="lt2" tx2="dk2" accent1="accent1" accent2="accent2" accent3="accent3" accent4="accent4" accent5="accent5" accent6="accent6" hlink="hlink" folHlink="folHlink"/>
   <p:sldLayoutIdLst>
-    <p:sldLayoutId id="2147483649" r:id="rId1"/>
-    <p:sldLayoutId id="2147483650" r:id="rId2"/>
-    <p:sldLayoutId id="2147483651" r:id="rId3"/>
-    <p:sldLayoutId id="2147483652" r:id="rId4"/>
+    <p:sldLayoutId id="2147483665" r:id="rId1"/>
+    <p:sldLayoutId id="2147483666" r:id="rId2"/>
+    <p:sldLayoutId id="2147483667" r:id="rId3"/>
+    <p:sldLayoutId id="2147483668" r:id="rId4"/>
   </p:sldLayoutIdLst>
+  <p:hf hdr="0" ftr="0" dt="0"/>
   <p:txStyles>
     <p:titleStyle>
       <a:lvl1pPr algn="l" defTabSz="914400" rtl="0" eaLnBrk="1" latinLnBrk="1" hangingPunct="1">
@@ -4148,6 +4700,46 @@
       </p:grpSpPr>
       <p:sp>
         <p:nvSpPr>
+          <p:cNvPr id="3" name="텍스트 개체 틀 2">
+            <a:extLst>
+              <a:ext uri="{FF2B5EF4-FFF2-40B4-BE49-F238E27FC236}">
+                <a16:creationId xmlns:a16="http://schemas.microsoft.com/office/drawing/2014/main" id="{02A2BF2D-041D-8A9D-059A-4106DF792FA8}"/>
+              </a:ext>
+            </a:extLst>
+          </p:cNvPr>
+          <p:cNvSpPr>
+            <a:spLocks noGrp="1"/>
+          </p:cNvSpPr>
+          <p:nvPr>
+            <p:ph type="body" sz="quarter" idx="10"/>
+          </p:nvPr>
+        </p:nvSpPr>
+        <p:spPr/>
+        <p:txBody>
+          <a:bodyPr/>
+          <a:lstStyle/>
+          <a:p>
+            <a:pPr>
+              <a:spcBef>
+                <a:spcPct val="0"/>
+              </a:spcBef>
+            </a:pPr>
+            <a:r>
+              <a:rPr lang="en-US" altLang="en-US" sz="3000" dirty="0">
+                <a:solidFill>
+                  <a:srgbClr val="EEEEEE"/>
+                </a:solidFill>
+                <a:latin typeface="Tahoma" panose="020B0604030504040204" pitchFamily="34" charset="0"/>
+                <a:ea typeface="Tahoma" panose="020B0604030504040204" pitchFamily="34" charset="0"/>
+                <a:cs typeface="Tahoma" panose="020B0604030504040204" pitchFamily="34" charset="0"/>
+              </a:rPr>
+              <a:t>John Smith, ABC University</a:t>
+            </a:r>
+          </a:p>
+        </p:txBody>
+      </p:sp>
+      <p:sp>
+        <p:nvSpPr>
           <p:cNvPr id="2" name="제목 1">
             <a:extLst>
               <a:ext uri="{FF2B5EF4-FFF2-40B4-BE49-F238E27FC236}">
@@ -4207,46 +4799,6 @@
               <a:t>Hierarchical Models</a:t>
             </a:r>
             <a:endParaRPr lang="ko-KR" altLang="en-US" dirty="0"/>
-          </a:p>
-        </p:txBody>
-      </p:sp>
-      <p:sp>
-        <p:nvSpPr>
-          <p:cNvPr id="3" name="텍스트 개체 틀 2">
-            <a:extLst>
-              <a:ext uri="{FF2B5EF4-FFF2-40B4-BE49-F238E27FC236}">
-                <a16:creationId xmlns:a16="http://schemas.microsoft.com/office/drawing/2014/main" id="{02A2BF2D-041D-8A9D-059A-4106DF792FA8}"/>
-              </a:ext>
-            </a:extLst>
-          </p:cNvPr>
-          <p:cNvSpPr>
-            <a:spLocks noGrp="1"/>
-          </p:cNvSpPr>
-          <p:nvPr>
-            <p:ph type="body" sz="quarter" idx="10"/>
-          </p:nvPr>
-        </p:nvSpPr>
-        <p:spPr/>
-        <p:txBody>
-          <a:bodyPr/>
-          <a:lstStyle/>
-          <a:p>
-            <a:pPr>
-              <a:spcBef>
-                <a:spcPct val="0"/>
-              </a:spcBef>
-            </a:pPr>
-            <a:r>
-              <a:rPr lang="en-US" altLang="en-US" sz="3000" dirty="0">
-                <a:solidFill>
-                  <a:srgbClr val="EEEEEE"/>
-                </a:solidFill>
-                <a:latin typeface="Tahoma" panose="020B0604030504040204" pitchFamily="34" charset="0"/>
-                <a:ea typeface="Tahoma" panose="020B0604030504040204" pitchFamily="34" charset="0"/>
-                <a:cs typeface="Tahoma" panose="020B0604030504040204" pitchFamily="34" charset="0"/>
-              </a:rPr>
-              <a:t>John Smith, ABC University</a:t>
-            </a:r>
           </a:p>
         </p:txBody>
       </p:sp>
@@ -4459,6 +5011,35 @@
           </a:p>
         </p:txBody>
       </p:sp>
+      <p:sp>
+        <p:nvSpPr>
+          <p:cNvPr id="4" name="슬라이드 번호 개체 틀 3">
+            <a:extLst>
+              <a:ext uri="{FF2B5EF4-FFF2-40B4-BE49-F238E27FC236}">
+                <a16:creationId xmlns:a16="http://schemas.microsoft.com/office/drawing/2014/main" id="{FF8190CF-2FB5-257E-28B8-CCBE5D11B004}"/>
+              </a:ext>
+            </a:extLst>
+          </p:cNvPr>
+          <p:cNvSpPr>
+            <a:spLocks noGrp="1"/>
+          </p:cNvSpPr>
+          <p:nvPr>
+            <p:ph type="sldNum" sz="quarter" idx="12"/>
+          </p:nvPr>
+        </p:nvSpPr>
+        <p:spPr/>
+        <p:txBody>
+          <a:bodyPr/>
+          <a:lstStyle/>
+          <a:p>
+            <a:fld id="{E968B485-CF9E-4F67-86CA-96E025404E84}" type="slidenum">
+              <a:rPr lang="ko-KR" altLang="en-US" smtClean="0"/>
+              <a:t>2</a:t>
+            </a:fld>
+            <a:endParaRPr lang="ko-KR" altLang="en-US"/>
+          </a:p>
+        </p:txBody>
+      </p:sp>
     </p:spTree>
     <p:extLst>
       <p:ext uri="{BB962C8B-B14F-4D97-AF65-F5344CB8AC3E}">
@@ -4522,6 +5103,35 @@
               <a:t>Why do we believe this is important?</a:t>
             </a:r>
             <a:endParaRPr lang="ko-KR" altLang="en-US" dirty="0"/>
+          </a:p>
+        </p:txBody>
+      </p:sp>
+      <p:sp>
+        <p:nvSpPr>
+          <p:cNvPr id="2" name="슬라이드 번호 개체 틀 1">
+            <a:extLst>
+              <a:ext uri="{FF2B5EF4-FFF2-40B4-BE49-F238E27FC236}">
+                <a16:creationId xmlns:a16="http://schemas.microsoft.com/office/drawing/2014/main" id="{027C74B3-256A-9E15-9FE9-99DC23BF41BD}"/>
+              </a:ext>
+            </a:extLst>
+          </p:cNvPr>
+          <p:cNvSpPr>
+            <a:spLocks noGrp="1"/>
+          </p:cNvSpPr>
+          <p:nvPr>
+            <p:ph type="sldNum" sz="quarter" idx="12"/>
+          </p:nvPr>
+        </p:nvSpPr>
+        <p:spPr/>
+        <p:txBody>
+          <a:bodyPr/>
+          <a:lstStyle/>
+          <a:p>
+            <a:fld id="{E968B485-CF9E-4F67-86CA-96E025404E84}" type="slidenum">
+              <a:rPr lang="ko-KR" altLang="en-US" smtClean="0"/>
+              <a:t>3</a:t>
+            </a:fld>
+            <a:endParaRPr lang="ko-KR" altLang="en-US"/>
           </a:p>
         </p:txBody>
       </p:sp>
@@ -4733,6 +5343,35 @@
           </a:p>
         </p:txBody>
       </p:sp>
+      <p:sp>
+        <p:nvSpPr>
+          <p:cNvPr id="2" name="슬라이드 번호 개체 틀 1">
+            <a:extLst>
+              <a:ext uri="{FF2B5EF4-FFF2-40B4-BE49-F238E27FC236}">
+                <a16:creationId xmlns:a16="http://schemas.microsoft.com/office/drawing/2014/main" id="{B8397D66-80AA-8A02-D6B4-FA55D48904D7}"/>
+              </a:ext>
+            </a:extLst>
+          </p:cNvPr>
+          <p:cNvSpPr>
+            <a:spLocks noGrp="1"/>
+          </p:cNvSpPr>
+          <p:nvPr>
+            <p:ph type="sldNum" sz="quarter" idx="12"/>
+          </p:nvPr>
+        </p:nvSpPr>
+        <p:spPr/>
+        <p:txBody>
+          <a:bodyPr/>
+          <a:lstStyle/>
+          <a:p>
+            <a:fld id="{E968B485-CF9E-4F67-86CA-96E025404E84}" type="slidenum">
+              <a:rPr lang="ko-KR" altLang="en-US" smtClean="0"/>
+              <a:t>4</a:t>
+            </a:fld>
+            <a:endParaRPr lang="ko-KR" altLang="en-US"/>
+          </a:p>
+        </p:txBody>
+      </p:sp>
     </p:spTree>
     <p:extLst>
       <p:ext uri="{BB962C8B-B14F-4D97-AF65-F5344CB8AC3E}">
@@ -4747,7 +5386,7 @@
 </file>
 
 <file path=ppt/theme/theme1.xml><?xml version="1.0" encoding="utf-8"?>
-<a:theme xmlns:a="http://schemas.openxmlformats.org/drawingml/2006/main" name="Office 테마">
+<a:theme xmlns:a="http://schemas.openxmlformats.org/drawingml/2006/main" name="디자인 사용자 지정">
   <a:themeElements>
     <a:clrScheme name="Office">
       <a:dk1>
@@ -4787,16 +5426,110 @@
         <a:srgbClr val="954F72"/>
       </a:folHlink>
     </a:clrScheme>
-    <a:fontScheme name="사용자 지정 1">
+    <a:fontScheme name="Office">
       <a:majorFont>
-        <a:latin typeface="Tahoma"/>
-        <a:ea typeface="Tahoma"/>
+        <a:latin typeface="맑은 고딕" panose="020F0302020204030204"/>
+        <a:ea typeface=""/>
         <a:cs typeface=""/>
+        <a:font script="Jpan" typeface="游ゴシック Light"/>
+        <a:font script="Hang" typeface="맑은 고딕"/>
+        <a:font script="Hans" typeface="等线 Light"/>
+        <a:font script="Hant" typeface="新細明體"/>
+        <a:font script="Arab" typeface="Times New Roman"/>
+        <a:font script="Hebr" typeface="Times New Roman"/>
+        <a:font script="Thai" typeface="Angsana New"/>
+        <a:font script="Ethi" typeface="Nyala"/>
+        <a:font script="Beng" typeface="Vrinda"/>
+        <a:font script="Gujr" typeface="Shruti"/>
+        <a:font script="Khmr" typeface="MoolBoran"/>
+        <a:font script="Knda" typeface="Tunga"/>
+        <a:font script="Guru" typeface="Raavi"/>
+        <a:font script="Cans" typeface="Euphemia"/>
+        <a:font script="Cher" typeface="Plantagenet Cherokee"/>
+        <a:font script="Yiii" typeface="Microsoft Yi Baiti"/>
+        <a:font script="Tibt" typeface="Microsoft Himalaya"/>
+        <a:font script="Thaa" typeface="MV Boli"/>
+        <a:font script="Deva" typeface="Mangal"/>
+        <a:font script="Telu" typeface="Gautami"/>
+        <a:font script="Taml" typeface="Latha"/>
+        <a:font script="Syrc" typeface="Estrangelo Edessa"/>
+        <a:font script="Orya" typeface="Kalinga"/>
+        <a:font script="Mlym" typeface="Kartika"/>
+        <a:font script="Laoo" typeface="DokChampa"/>
+        <a:font script="Sinh" typeface="Iskoola Pota"/>
+        <a:font script="Mong" typeface="Mongolian Baiti"/>
+        <a:font script="Viet" typeface="Times New Roman"/>
+        <a:font script="Uigh" typeface="Microsoft Uighur"/>
+        <a:font script="Geor" typeface="Sylfaen"/>
+        <a:font script="Armn" typeface="Arial"/>
+        <a:font script="Bugi" typeface="Leelawadee UI"/>
+        <a:font script="Bopo" typeface="Microsoft JhengHei"/>
+        <a:font script="Java" typeface="Javanese Text"/>
+        <a:font script="Lisu" typeface="Segoe UI"/>
+        <a:font script="Mymr" typeface="Myanmar Text"/>
+        <a:font script="Nkoo" typeface="Ebrima"/>
+        <a:font script="Olck" typeface="Nirmala UI"/>
+        <a:font script="Osma" typeface="Ebrima"/>
+        <a:font script="Phag" typeface="Phagspa"/>
+        <a:font script="Syrn" typeface="Estrangelo Edessa"/>
+        <a:font script="Syrj" typeface="Estrangelo Edessa"/>
+        <a:font script="Syre" typeface="Estrangelo Edessa"/>
+        <a:font script="Sora" typeface="Nirmala UI"/>
+        <a:font script="Tale" typeface="Microsoft Tai Le"/>
+        <a:font script="Talu" typeface="Microsoft New Tai Lue"/>
+        <a:font script="Tfng" typeface="Ebrima"/>
       </a:majorFont>
       <a:minorFont>
-        <a:latin typeface="Tahoma"/>
-        <a:ea typeface="Tahoma"/>
+        <a:latin typeface="맑은 고딕" panose="020F0502020204030204"/>
+        <a:ea typeface=""/>
         <a:cs typeface=""/>
+        <a:font script="Jpan" typeface="游ゴシック"/>
+        <a:font script="Hang" typeface="맑은 고딕"/>
+        <a:font script="Hans" typeface="等线"/>
+        <a:font script="Hant" typeface="新細明體"/>
+        <a:font script="Arab" typeface="Arial"/>
+        <a:font script="Hebr" typeface="Arial"/>
+        <a:font script="Thai" typeface="Cordia New"/>
+        <a:font script="Ethi" typeface="Nyala"/>
+        <a:font script="Beng" typeface="Vrinda"/>
+        <a:font script="Gujr" typeface="Shruti"/>
+        <a:font script="Khmr" typeface="DaunPenh"/>
+        <a:font script="Knda" typeface="Tunga"/>
+        <a:font script="Guru" typeface="Raavi"/>
+        <a:font script="Cans" typeface="Euphemia"/>
+        <a:font script="Cher" typeface="Plantagenet Cherokee"/>
+        <a:font script="Yiii" typeface="Microsoft Yi Baiti"/>
+        <a:font script="Tibt" typeface="Microsoft Himalaya"/>
+        <a:font script="Thaa" typeface="MV Boli"/>
+        <a:font script="Deva" typeface="Mangal"/>
+        <a:font script="Telu" typeface="Gautami"/>
+        <a:font script="Taml" typeface="Latha"/>
+        <a:font script="Syrc" typeface="Estrangelo Edessa"/>
+        <a:font script="Orya" typeface="Kalinga"/>
+        <a:font script="Mlym" typeface="Kartika"/>
+        <a:font script="Laoo" typeface="DokChampa"/>
+        <a:font script="Sinh" typeface="Iskoola Pota"/>
+        <a:font script="Mong" typeface="Mongolian Baiti"/>
+        <a:font script="Viet" typeface="Arial"/>
+        <a:font script="Uigh" typeface="Microsoft Uighur"/>
+        <a:font script="Geor" typeface="Sylfaen"/>
+        <a:font script="Armn" typeface="Arial"/>
+        <a:font script="Bugi" typeface="Leelawadee UI"/>
+        <a:font script="Bopo" typeface="Microsoft JhengHei"/>
+        <a:font script="Java" typeface="Javanese Text"/>
+        <a:font script="Lisu" typeface="Segoe UI"/>
+        <a:font script="Mymr" typeface="Myanmar Text"/>
+        <a:font script="Nkoo" typeface="Ebrima"/>
+        <a:font script="Olck" typeface="Nirmala UI"/>
+        <a:font script="Osma" typeface="Ebrima"/>
+        <a:font script="Phag" typeface="Phagspa"/>
+        <a:font script="Syrn" typeface="Estrangelo Edessa"/>
+        <a:font script="Syrj" typeface="Estrangelo Edessa"/>
+        <a:font script="Syre" typeface="Estrangelo Edessa"/>
+        <a:font script="Sora" typeface="Nirmala UI"/>
+        <a:font script="Tale" typeface="Microsoft Tai Le"/>
+        <a:font script="Talu" typeface="Microsoft New Tai Lue"/>
+        <a:font script="Tfng" typeface="Ebrima"/>
       </a:minorFont>
     </a:fontScheme>
     <a:fmtScheme name="Office">
